--- a/Pengantar App Inventor.pptx
+++ b/Pengantar App Inventor.pptx
@@ -7641,7 +7641,7 @@
         <p:spPr>
           <a:xfrm>
             <a:off x="1294363" y="2084431"/>
-            <a:ext cx="3434658" cy="923330"/>
+            <a:ext cx="4189288" cy="1477328"/>
           </a:xfrm>
           <a:prstGeom prst="rect">
             <a:avLst/>
@@ -7691,12 +7691,32 @@
           </a:p>
           <a:p>
             <a:r>
-              <a:rPr lang="en-US" dirty="0" smtClean="0"/>
+              <a:rPr lang="en-US" dirty="0" smtClean="0">
+                <a:hlinkClick r:id="rId3"/>
+              </a:rPr>
               <a:t>http</a:t>
             </a:r>
             <a:r>
+              <a:rPr lang="en-US" dirty="0">
+                <a:hlinkClick r:id="rId3"/>
+              </a:rPr>
+              <a:t>://</a:t>
+            </a:r>
+            <a:r>
+              <a:rPr lang="en-US" dirty="0" smtClean="0">
+                <a:hlinkClick r:id="rId3"/>
+              </a:rPr>
+              <a:t>appinventor.mit.edu</a:t>
+            </a:r>
+            <a:endParaRPr lang="en-US" dirty="0" smtClean="0"/>
+          </a:p>
+          <a:p>
+            <a:endParaRPr lang="en-US" dirty="0"/>
+          </a:p>
+          <a:p>
+            <a:r>
               <a:rPr lang="en-US" dirty="0"/>
-              <a:t>://appinventor.mit.edu</a:t>
+              <a:t>https://github.com/rikad/d3Antarmuka2018</a:t>
             </a:r>
           </a:p>
         </p:txBody>
@@ -11897,9 +11917,17 @@
 <file path=customXml/itemProps1.xml><?xml version="1.0" encoding="utf-8"?>
 <ds:datastoreItem xmlns:ds="http://schemas.openxmlformats.org/officeDocument/2006/customXml" ds:itemID="{816B76F2-1AE1-4A2A-A5B3-D462CC5E81F8}">
   <ds:schemaRefs>
+    <ds:schemaRef ds:uri="http://schemas.openxmlformats.org/package/2006/metadata/core-properties"/>
+    <ds:schemaRef ds:uri="6dc4bcd6-49db-4c07-9060-8acfc67cef9f"/>
+    <ds:schemaRef ds:uri="http://schemas.microsoft.com/office/2006/documentManagement/types"/>
+    <ds:schemaRef ds:uri="http://schemas.microsoft.com/office/infopath/2007/PartnerControls"/>
+    <ds:schemaRef ds:uri="fb0879af-3eba-417a-a55a-ffe6dcd6ca77"/>
+    <ds:schemaRef ds:uri="http://purl.org/dc/elements/1.1/"/>
     <ds:schemaRef ds:uri="http://schemas.microsoft.com/office/2006/metadata/properties"/>
-    <ds:schemaRef ds:uri="http://schemas.microsoft.com/office/infopath/2007/PartnerControls"/>
     <ds:schemaRef ds:uri="http://schemas.microsoft.com/sharepoint/v3"/>
+    <ds:schemaRef ds:uri="http://purl.org/dc/terms/"/>
+    <ds:schemaRef ds:uri="http://www.w3.org/XML/1998/namespace"/>
+    <ds:schemaRef ds:uri="http://purl.org/dc/dcmitype/"/>
   </ds:schemaRefs>
 </ds:datastoreItem>
 </file>

--- a/Pengantar App Inventor.pptx
+++ b/Pengantar App Inventor.pptx
@@ -972,7 +972,7 @@
           <p:cNvPr id="6" name="Title 5">
             <a:extLst>
               <a:ext uri="{FF2B5EF4-FFF2-40B4-BE49-F238E27FC236}">
-                <a16:creationId xmlns:a16="http://schemas.microsoft.com/office/drawing/2014/main" xmlns="" id="{C414FF1F-6558-4E39-87DB-276E44F5477C}"/>
+                <a16:creationId xmlns="" xmlns:a16="http://schemas.microsoft.com/office/drawing/2014/main" id="{C414FF1F-6558-4E39-87DB-276E44F5477C}"/>
               </a:ext>
             </a:extLst>
           </p:cNvPr>
@@ -1491,7 +1491,7 @@
           <p:cNvPr id="9" name="Straight Connector 8">
             <a:extLst>
               <a:ext uri="{FF2B5EF4-FFF2-40B4-BE49-F238E27FC236}">
-                <a16:creationId xmlns:a16="http://schemas.microsoft.com/office/drawing/2014/main" xmlns="" id="{4715607D-9DE2-4687-AAF8-EF2427252A90}"/>
+                <a16:creationId xmlns="" xmlns:a16="http://schemas.microsoft.com/office/drawing/2014/main" id="{4715607D-9DE2-4687-AAF8-EF2427252A90}"/>
               </a:ext>
             </a:extLst>
           </p:cNvPr>
@@ -1528,7 +1528,7 @@
           <p:cNvPr id="7" name="Title 6">
             <a:extLst>
               <a:ext uri="{FF2B5EF4-FFF2-40B4-BE49-F238E27FC236}">
-                <a16:creationId xmlns:a16="http://schemas.microsoft.com/office/drawing/2014/main" xmlns="" id="{2F96D46B-C1B8-46AB-87DF-61A8058B1F42}"/>
+                <a16:creationId xmlns="" xmlns:a16="http://schemas.microsoft.com/office/drawing/2014/main" id="{2F96D46B-C1B8-46AB-87DF-61A8058B1F42}"/>
               </a:ext>
             </a:extLst>
           </p:cNvPr>
@@ -1915,7 +1915,7 @@
           <p:cNvPr id="11" name="Straight Connector 10">
             <a:extLst>
               <a:ext uri="{FF2B5EF4-FFF2-40B4-BE49-F238E27FC236}">
-                <a16:creationId xmlns:a16="http://schemas.microsoft.com/office/drawing/2014/main" xmlns="" id="{C384AA55-1960-47F4-BA3C-E97A6F2D0B19}"/>
+                <a16:creationId xmlns="" xmlns:a16="http://schemas.microsoft.com/office/drawing/2014/main" id="{C384AA55-1960-47F4-BA3C-E97A6F2D0B19}"/>
               </a:ext>
             </a:extLst>
           </p:cNvPr>
@@ -1952,7 +1952,7 @@
           <p:cNvPr id="9" name="Title 8">
             <a:extLst>
               <a:ext uri="{FF2B5EF4-FFF2-40B4-BE49-F238E27FC236}">
-                <a16:creationId xmlns:a16="http://schemas.microsoft.com/office/drawing/2014/main" xmlns="" id="{09471694-1220-4CFC-A31F-622E5D3DE2D5}"/>
+                <a16:creationId xmlns="" xmlns:a16="http://schemas.microsoft.com/office/drawing/2014/main" id="{09471694-1220-4CFC-A31F-622E5D3DE2D5}"/>
               </a:ext>
             </a:extLst>
           </p:cNvPr>
@@ -2077,7 +2077,7 @@
           <p:cNvPr id="7" name="Straight Connector 6">
             <a:extLst>
               <a:ext uri="{FF2B5EF4-FFF2-40B4-BE49-F238E27FC236}">
-                <a16:creationId xmlns:a16="http://schemas.microsoft.com/office/drawing/2014/main" xmlns="" id="{FFB55B52-B62C-4800-AAC1-B15AF2FE1F45}"/>
+                <a16:creationId xmlns="" xmlns:a16="http://schemas.microsoft.com/office/drawing/2014/main" id="{FFB55B52-B62C-4800-AAC1-B15AF2FE1F45}"/>
               </a:ext>
             </a:extLst>
           </p:cNvPr>
@@ -2114,7 +2114,7 @@
           <p:cNvPr id="5" name="Title 4">
             <a:extLst>
               <a:ext uri="{FF2B5EF4-FFF2-40B4-BE49-F238E27FC236}">
-                <a16:creationId xmlns:a16="http://schemas.microsoft.com/office/drawing/2014/main" xmlns="" id="{3DF0054B-B64C-418E-A1B8-428EE4A1DB50}"/>
+                <a16:creationId xmlns="" xmlns:a16="http://schemas.microsoft.com/office/drawing/2014/main" id="{3DF0054B-B64C-418E-A1B8-428EE4A1DB50}"/>
               </a:ext>
             </a:extLst>
           </p:cNvPr>
@@ -2457,7 +2457,7 @@
           <p:cNvPr id="9" name="Straight Connector 8">
             <a:extLst>
               <a:ext uri="{FF2B5EF4-FFF2-40B4-BE49-F238E27FC236}">
-                <a16:creationId xmlns:a16="http://schemas.microsoft.com/office/drawing/2014/main" xmlns="" id="{6CC09F73-0AD6-4A1E-A331-75A00B808982}"/>
+                <a16:creationId xmlns="" xmlns:a16="http://schemas.microsoft.com/office/drawing/2014/main" id="{6CC09F73-0AD6-4A1E-A331-75A00B808982}"/>
               </a:ext>
             </a:extLst>
           </p:cNvPr>
@@ -2494,7 +2494,7 @@
           <p:cNvPr id="7" name="Title 6">
             <a:extLst>
               <a:ext uri="{FF2B5EF4-FFF2-40B4-BE49-F238E27FC236}">
-                <a16:creationId xmlns:a16="http://schemas.microsoft.com/office/drawing/2014/main" xmlns="" id="{1B74F78C-6D32-47C3-ABB2-6E7092A9C4A3}"/>
+                <a16:creationId xmlns="" xmlns:a16="http://schemas.microsoft.com/office/drawing/2014/main" id="{1B74F78C-6D32-47C3-ABB2-6E7092A9C4A3}"/>
               </a:ext>
             </a:extLst>
           </p:cNvPr>
@@ -2741,7 +2741,7 @@
           <p:cNvPr id="9" name="Straight Connector 8">
             <a:extLst>
               <a:ext uri="{FF2B5EF4-FFF2-40B4-BE49-F238E27FC236}">
-                <a16:creationId xmlns:a16="http://schemas.microsoft.com/office/drawing/2014/main" xmlns="" id="{6CC09F73-0AD6-4A1E-A331-75A00B808982}"/>
+                <a16:creationId xmlns="" xmlns:a16="http://schemas.microsoft.com/office/drawing/2014/main" id="{6CC09F73-0AD6-4A1E-A331-75A00B808982}"/>
               </a:ext>
             </a:extLst>
           </p:cNvPr>
@@ -2778,7 +2778,7 @@
           <p:cNvPr id="8" name="Content Placeholder 2">
             <a:extLst>
               <a:ext uri="{FF2B5EF4-FFF2-40B4-BE49-F238E27FC236}">
-                <a16:creationId xmlns:a16="http://schemas.microsoft.com/office/drawing/2014/main" xmlns="" id="{9DE9A20D-024F-4A17-9B20-526AA4037253}"/>
+                <a16:creationId xmlns="" xmlns:a16="http://schemas.microsoft.com/office/drawing/2014/main" id="{9DE9A20D-024F-4A17-9B20-526AA4037253}"/>
               </a:ext>
             </a:extLst>
           </p:cNvPr>
@@ -2841,7 +2841,7 @@
           <p:cNvPr id="10" name="Content Placeholder 2">
             <a:extLst>
               <a:ext uri="{FF2B5EF4-FFF2-40B4-BE49-F238E27FC236}">
-                <a16:creationId xmlns:a16="http://schemas.microsoft.com/office/drawing/2014/main" xmlns="" id="{37D8F60F-F9DD-4AAC-BF28-C004CCDF2D69}"/>
+                <a16:creationId xmlns="" xmlns:a16="http://schemas.microsoft.com/office/drawing/2014/main" id="{37D8F60F-F9DD-4AAC-BF28-C004CCDF2D69}"/>
               </a:ext>
             </a:extLst>
           </p:cNvPr>
@@ -2904,7 +2904,7 @@
           <p:cNvPr id="11" name="Text Placeholder 3">
             <a:extLst>
               <a:ext uri="{FF2B5EF4-FFF2-40B4-BE49-F238E27FC236}">
-                <a16:creationId xmlns:a16="http://schemas.microsoft.com/office/drawing/2014/main" xmlns="" id="{8F09FDD8-5B1C-4AAA-8EEC-0A77C9E477D1}"/>
+                <a16:creationId xmlns="" xmlns:a16="http://schemas.microsoft.com/office/drawing/2014/main" id="{8F09FDD8-5B1C-4AAA-8EEC-0A77C9E477D1}"/>
               </a:ext>
             </a:extLst>
           </p:cNvPr>
@@ -2975,7 +2975,7 @@
           <p:cNvPr id="12" name="Text Placeholder 3">
             <a:extLst>
               <a:ext uri="{FF2B5EF4-FFF2-40B4-BE49-F238E27FC236}">
-                <a16:creationId xmlns:a16="http://schemas.microsoft.com/office/drawing/2014/main" xmlns="" id="{E6DF0B7E-E17E-4875-966D-4DE67F755B71}"/>
+                <a16:creationId xmlns="" xmlns:a16="http://schemas.microsoft.com/office/drawing/2014/main" id="{E6DF0B7E-E17E-4875-966D-4DE67F755B71}"/>
               </a:ext>
             </a:extLst>
           </p:cNvPr>
@@ -3046,7 +3046,7 @@
           <p:cNvPr id="13" name="Straight Connector 12">
             <a:extLst>
               <a:ext uri="{FF2B5EF4-FFF2-40B4-BE49-F238E27FC236}">
-                <a16:creationId xmlns:a16="http://schemas.microsoft.com/office/drawing/2014/main" xmlns="" id="{5685D963-B130-47E9-AFCC-AEBED2B1155B}"/>
+                <a16:creationId xmlns="" xmlns:a16="http://schemas.microsoft.com/office/drawing/2014/main" id="{5685D963-B130-47E9-AFCC-AEBED2B1155B}"/>
               </a:ext>
             </a:extLst>
           </p:cNvPr>
@@ -3091,7 +3091,7 @@
           <p:cNvPr id="14" name="Straight Connector 13">
             <a:extLst>
               <a:ext uri="{FF2B5EF4-FFF2-40B4-BE49-F238E27FC236}">
-                <a16:creationId xmlns:a16="http://schemas.microsoft.com/office/drawing/2014/main" xmlns="" id="{2FA9B6CF-713A-4942-BE35-A61AFCDDFD3D}"/>
+                <a16:creationId xmlns="" xmlns:a16="http://schemas.microsoft.com/office/drawing/2014/main" id="{2FA9B6CF-713A-4942-BE35-A61AFCDDFD3D}"/>
               </a:ext>
             </a:extLst>
           </p:cNvPr>
@@ -3136,7 +3136,7 @@
           <p:cNvPr id="19" name="Text Placeholder 18">
             <a:extLst>
               <a:ext uri="{FF2B5EF4-FFF2-40B4-BE49-F238E27FC236}">
-                <a16:creationId xmlns:a16="http://schemas.microsoft.com/office/drawing/2014/main" xmlns="" id="{93809A32-C7A4-4739-994B-BE492F855ACC}"/>
+                <a16:creationId xmlns="" xmlns:a16="http://schemas.microsoft.com/office/drawing/2014/main" id="{93809A32-C7A4-4739-994B-BE492F855ACC}"/>
               </a:ext>
             </a:extLst>
           </p:cNvPr>
@@ -3201,7 +3201,7 @@
           <p:cNvPr id="7" name="Title 6">
             <a:extLst>
               <a:ext uri="{FF2B5EF4-FFF2-40B4-BE49-F238E27FC236}">
-                <a16:creationId xmlns:a16="http://schemas.microsoft.com/office/drawing/2014/main" xmlns="" id="{2C1ABD52-D5FE-4FC2-8449-5DA0E52853E1}"/>
+                <a16:creationId xmlns="" xmlns:a16="http://schemas.microsoft.com/office/drawing/2014/main" id="{2C1ABD52-D5FE-4FC2-8449-5DA0E52853E1}"/>
               </a:ext>
             </a:extLst>
           </p:cNvPr>
@@ -3963,7 +3963,7 @@
           <p:cNvPr id="2" name="Title 1">
             <a:extLst>
               <a:ext uri="{FF2B5EF4-FFF2-40B4-BE49-F238E27FC236}">
-                <a16:creationId xmlns:a16="http://schemas.microsoft.com/office/drawing/2014/main" xmlns="" id="{90DCA56C-7A25-4BD4-AA72-5256E68BE4CB}"/>
+                <a16:creationId xmlns="" xmlns:a16="http://schemas.microsoft.com/office/drawing/2014/main" id="{90DCA56C-7A25-4BD4-AA72-5256E68BE4CB}"/>
               </a:ext>
             </a:extLst>
           </p:cNvPr>
@@ -4009,11 +4009,7 @@
             </a:br>
             <a:r>
               <a:rPr lang="en-US" dirty="0" smtClean="0"/>
-              <a:t>MIT </a:t>
-            </a:r>
-            <a:r>
-              <a:rPr lang="en-US" dirty="0" smtClean="0"/>
-              <a:t>APP INVENTOR 2</a:t>
+              <a:t>MIT APP INVENTOR 2</a:t>
             </a:r>
             <a:endParaRPr lang="en-US" dirty="0"/>
           </a:p>
@@ -4024,7 +4020,7 @@
           <p:cNvPr id="3" name="Subtitle 2">
             <a:extLst>
               <a:ext uri="{FF2B5EF4-FFF2-40B4-BE49-F238E27FC236}">
-                <a16:creationId xmlns:a16="http://schemas.microsoft.com/office/drawing/2014/main" xmlns="" id="{BBBCF363-1123-45B1-8A9A-ABCDA40EF3F2}"/>
+                <a16:creationId xmlns="" xmlns:a16="http://schemas.microsoft.com/office/drawing/2014/main" id="{BBBCF363-1123-45B1-8A9A-ABCDA40EF3F2}"/>
               </a:ext>
             </a:extLst>
           </p:cNvPr>
@@ -4164,7 +4160,7 @@
           <p:cNvPr id="5" name="Graphic 4" descr="Brain in head">
             <a:extLst>
               <a:ext uri="{FF2B5EF4-FFF2-40B4-BE49-F238E27FC236}">
-                <a16:creationId xmlns:a16="http://schemas.microsoft.com/office/drawing/2014/main" xmlns="" id="{D011E263-3212-4780-A140-E652B108BDC5}"/>
+                <a16:creationId xmlns="" xmlns:a16="http://schemas.microsoft.com/office/drawing/2014/main" id="{D011E263-3212-4780-A140-E652B108BDC5}"/>
               </a:ext>
             </a:extLst>
           </p:cNvPr>
@@ -4180,7 +4176,7 @@
                 <a14:useLocalDpi xmlns:a14="http://schemas.microsoft.com/office/drawing/2010/main"/>
               </a:ext>
               <a:ext uri="{96DAC541-7B7A-43D3-8B79-37D633B846F1}">
-                <asvg:svgBlip xmlns:asvg="http://schemas.microsoft.com/office/drawing/2016/SVG/main" xmlns="" r:embed="rId5"/>
+                <asvg:svgBlip xmlns="" xmlns:asvg="http://schemas.microsoft.com/office/drawing/2016/SVG/main" r:embed="rId5"/>
               </a:ext>
             </a:extLst>
           </a:blip>
@@ -4271,6 +4267,13 @@
   <p:clrMapOvr>
     <a:masterClrMapping/>
   </p:clrMapOvr>
+  <p:timing>
+    <p:tnLst>
+      <p:par>
+        <p:cTn id="1" dur="indefinite" restart="never" nodeType="tmRoot"/>
+      </p:par>
+    </p:tnLst>
+  </p:timing>
 </p:sld>
 </file>
 
@@ -4296,7 +4299,7 @@
           <p:cNvPr id="4" name="Title 3">
             <a:extLst>
               <a:ext uri="{FF2B5EF4-FFF2-40B4-BE49-F238E27FC236}">
-                <a16:creationId xmlns:a16="http://schemas.microsoft.com/office/drawing/2014/main" xmlns="" id="{E98DCA46-603B-4178-8707-30E192CE6B8D}"/>
+                <a16:creationId xmlns="" xmlns:a16="http://schemas.microsoft.com/office/drawing/2014/main" id="{E98DCA46-603B-4178-8707-30E192CE6B8D}"/>
               </a:ext>
             </a:extLst>
           </p:cNvPr>
@@ -4397,7 +4400,7 @@
           <p:cNvPr id="7" name="Content Placeholder 2">
             <a:extLst>
               <a:ext uri="{FF2B5EF4-FFF2-40B4-BE49-F238E27FC236}">
-                <a16:creationId xmlns:a16="http://schemas.microsoft.com/office/drawing/2014/main" xmlns="" id="{C3C0199F-A274-44C6-BF37-784A855E6EEA}"/>
+                <a16:creationId xmlns="" xmlns:a16="http://schemas.microsoft.com/office/drawing/2014/main" id="{C3C0199F-A274-44C6-BF37-784A855E6EEA}"/>
               </a:ext>
             </a:extLst>
           </p:cNvPr>
@@ -4724,6 +4727,13 @@
   <p:clrMapOvr>
     <a:masterClrMapping/>
   </p:clrMapOvr>
+  <p:timing>
+    <p:tnLst>
+      <p:par>
+        <p:cTn id="1" dur="indefinite" restart="never" nodeType="tmRoot"/>
+      </p:par>
+    </p:tnLst>
+  </p:timing>
 </p:sld>
 </file>
 
@@ -4749,7 +4759,7 @@
           <p:cNvPr id="4" name="Title 3">
             <a:extLst>
               <a:ext uri="{FF2B5EF4-FFF2-40B4-BE49-F238E27FC236}">
-                <a16:creationId xmlns:a16="http://schemas.microsoft.com/office/drawing/2014/main" xmlns="" id="{E98DCA46-603B-4178-8707-30E192CE6B8D}"/>
+                <a16:creationId xmlns="" xmlns:a16="http://schemas.microsoft.com/office/drawing/2014/main" id="{E98DCA46-603B-4178-8707-30E192CE6B8D}"/>
               </a:ext>
             </a:extLst>
           </p:cNvPr>
@@ -4802,7 +4812,7 @@
           <p:cNvPr id="7" name="Content Placeholder 2">
             <a:extLst>
               <a:ext uri="{FF2B5EF4-FFF2-40B4-BE49-F238E27FC236}">
-                <a16:creationId xmlns:a16="http://schemas.microsoft.com/office/drawing/2014/main" xmlns="" id="{C3C0199F-A274-44C6-BF37-784A855E6EEA}"/>
+                <a16:creationId xmlns="" xmlns:a16="http://schemas.microsoft.com/office/drawing/2014/main" id="{C3C0199F-A274-44C6-BF37-784A855E6EEA}"/>
               </a:ext>
             </a:extLst>
           </p:cNvPr>
@@ -5304,6 +5314,13 @@
   <p:clrMapOvr>
     <a:masterClrMapping/>
   </p:clrMapOvr>
+  <p:timing>
+    <p:tnLst>
+      <p:par>
+        <p:cTn id="1" dur="indefinite" restart="never" nodeType="tmRoot"/>
+      </p:par>
+    </p:tnLst>
+  </p:timing>
 </p:sld>
 </file>
 
@@ -5329,7 +5346,7 @@
           <p:cNvPr id="4" name="Title 3">
             <a:extLst>
               <a:ext uri="{FF2B5EF4-FFF2-40B4-BE49-F238E27FC236}">
-                <a16:creationId xmlns:a16="http://schemas.microsoft.com/office/drawing/2014/main" xmlns="" id="{E98DCA46-603B-4178-8707-30E192CE6B8D}"/>
+                <a16:creationId xmlns="" xmlns:a16="http://schemas.microsoft.com/office/drawing/2014/main" id="{E98DCA46-603B-4178-8707-30E192CE6B8D}"/>
               </a:ext>
             </a:extLst>
           </p:cNvPr>
@@ -5382,7 +5399,7 @@
           <p:cNvPr id="7" name="Content Placeholder 2">
             <a:extLst>
               <a:ext uri="{FF2B5EF4-FFF2-40B4-BE49-F238E27FC236}">
-                <a16:creationId xmlns:a16="http://schemas.microsoft.com/office/drawing/2014/main" xmlns="" id="{C3C0199F-A274-44C6-BF37-784A855E6EEA}"/>
+                <a16:creationId xmlns="" xmlns:a16="http://schemas.microsoft.com/office/drawing/2014/main" id="{C3C0199F-A274-44C6-BF37-784A855E6EEA}"/>
               </a:ext>
             </a:extLst>
           </p:cNvPr>
@@ -5786,6 +5803,13 @@
   <p:clrMapOvr>
     <a:masterClrMapping/>
   </p:clrMapOvr>
+  <p:timing>
+    <p:tnLst>
+      <p:par>
+        <p:cTn id="1" dur="indefinite" restart="never" nodeType="tmRoot"/>
+      </p:par>
+    </p:tnLst>
+  </p:timing>
 </p:sld>
 </file>
 
@@ -5811,7 +5835,7 @@
           <p:cNvPr id="4" name="Title 3">
             <a:extLst>
               <a:ext uri="{FF2B5EF4-FFF2-40B4-BE49-F238E27FC236}">
-                <a16:creationId xmlns:a16="http://schemas.microsoft.com/office/drawing/2014/main" xmlns="" id="{E98DCA46-603B-4178-8707-30E192CE6B8D}"/>
+                <a16:creationId xmlns="" xmlns:a16="http://schemas.microsoft.com/office/drawing/2014/main" id="{E98DCA46-603B-4178-8707-30E192CE6B8D}"/>
               </a:ext>
             </a:extLst>
           </p:cNvPr>
@@ -5864,7 +5888,7 @@
           <p:cNvPr id="7" name="Content Placeholder 2">
             <a:extLst>
               <a:ext uri="{FF2B5EF4-FFF2-40B4-BE49-F238E27FC236}">
-                <a16:creationId xmlns:a16="http://schemas.microsoft.com/office/drawing/2014/main" xmlns="" id="{C3C0199F-A274-44C6-BF37-784A855E6EEA}"/>
+                <a16:creationId xmlns="" xmlns:a16="http://schemas.microsoft.com/office/drawing/2014/main" id="{C3C0199F-A274-44C6-BF37-784A855E6EEA}"/>
               </a:ext>
             </a:extLst>
           </p:cNvPr>
@@ -6350,6 +6374,13 @@
   <p:clrMapOvr>
     <a:masterClrMapping/>
   </p:clrMapOvr>
+  <p:timing>
+    <p:tnLst>
+      <p:par>
+        <p:cTn id="1" dur="indefinite" restart="never" nodeType="tmRoot"/>
+      </p:par>
+    </p:tnLst>
+  </p:timing>
 </p:sld>
 </file>
 
@@ -6375,7 +6406,7 @@
           <p:cNvPr id="4" name="Title 3">
             <a:extLst>
               <a:ext uri="{FF2B5EF4-FFF2-40B4-BE49-F238E27FC236}">
-                <a16:creationId xmlns:a16="http://schemas.microsoft.com/office/drawing/2014/main" xmlns="" id="{E98DCA46-603B-4178-8707-30E192CE6B8D}"/>
+                <a16:creationId xmlns="" xmlns:a16="http://schemas.microsoft.com/office/drawing/2014/main" id="{E98DCA46-603B-4178-8707-30E192CE6B8D}"/>
               </a:ext>
             </a:extLst>
           </p:cNvPr>
@@ -6428,7 +6459,7 @@
           <p:cNvPr id="7" name="Content Placeholder 2">
             <a:extLst>
               <a:ext uri="{FF2B5EF4-FFF2-40B4-BE49-F238E27FC236}">
-                <a16:creationId xmlns:a16="http://schemas.microsoft.com/office/drawing/2014/main" xmlns="" id="{C3C0199F-A274-44C6-BF37-784A855E6EEA}"/>
+                <a16:creationId xmlns="" xmlns:a16="http://schemas.microsoft.com/office/drawing/2014/main" id="{C3C0199F-A274-44C6-BF37-784A855E6EEA}"/>
               </a:ext>
             </a:extLst>
           </p:cNvPr>
@@ -6843,6 +6874,13 @@
   <p:clrMapOvr>
     <a:masterClrMapping/>
   </p:clrMapOvr>
+  <p:timing>
+    <p:tnLst>
+      <p:par>
+        <p:cTn id="1" dur="indefinite" restart="never" nodeType="tmRoot"/>
+      </p:par>
+    </p:tnLst>
+  </p:timing>
 </p:sld>
 </file>
 
@@ -6868,7 +6906,7 @@
           <p:cNvPr id="4" name="Title 3">
             <a:extLst>
               <a:ext uri="{FF2B5EF4-FFF2-40B4-BE49-F238E27FC236}">
-                <a16:creationId xmlns:a16="http://schemas.microsoft.com/office/drawing/2014/main" xmlns="" id="{E98DCA46-603B-4178-8707-30E192CE6B8D}"/>
+                <a16:creationId xmlns="" xmlns:a16="http://schemas.microsoft.com/office/drawing/2014/main" id="{E98DCA46-603B-4178-8707-30E192CE6B8D}"/>
               </a:ext>
             </a:extLst>
           </p:cNvPr>
@@ -6897,7 +6935,7 @@
           <p:cNvPr id="7" name="Content Placeholder 2">
             <a:extLst>
               <a:ext uri="{FF2B5EF4-FFF2-40B4-BE49-F238E27FC236}">
-                <a16:creationId xmlns:a16="http://schemas.microsoft.com/office/drawing/2014/main" xmlns="" id="{C3C0199F-A274-44C6-BF37-784A855E6EEA}"/>
+                <a16:creationId xmlns="" xmlns:a16="http://schemas.microsoft.com/office/drawing/2014/main" id="{C3C0199F-A274-44C6-BF37-784A855E6EEA}"/>
               </a:ext>
             </a:extLst>
           </p:cNvPr>
@@ -7301,6 +7339,13 @@
   <p:clrMapOvr>
     <a:masterClrMapping/>
   </p:clrMapOvr>
+  <p:timing>
+    <p:tnLst>
+      <p:par>
+        <p:cTn id="1" dur="indefinite" restart="never" nodeType="tmRoot"/>
+      </p:par>
+    </p:tnLst>
+  </p:timing>
 </p:sld>
 </file>
 
@@ -7326,7 +7371,7 @@
           <p:cNvPr id="4" name="Title 3">
             <a:extLst>
               <a:ext uri="{FF2B5EF4-FFF2-40B4-BE49-F238E27FC236}">
-                <a16:creationId xmlns:a16="http://schemas.microsoft.com/office/drawing/2014/main" xmlns="" id="{E98DCA46-603B-4178-8707-30E192CE6B8D}"/>
+                <a16:creationId xmlns="" xmlns:a16="http://schemas.microsoft.com/office/drawing/2014/main" id="{E98DCA46-603B-4178-8707-30E192CE6B8D}"/>
               </a:ext>
             </a:extLst>
           </p:cNvPr>
@@ -7363,7 +7408,7 @@
           <p:cNvPr id="7" name="Content Placeholder 2">
             <a:extLst>
               <a:ext uri="{FF2B5EF4-FFF2-40B4-BE49-F238E27FC236}">
-                <a16:creationId xmlns:a16="http://schemas.microsoft.com/office/drawing/2014/main" xmlns="" id="{C3C0199F-A274-44C6-BF37-784A855E6EEA}"/>
+                <a16:creationId xmlns="" xmlns:a16="http://schemas.microsoft.com/office/drawing/2014/main" id="{C3C0199F-A274-44C6-BF37-784A855E6EEA}"/>
               </a:ext>
             </a:extLst>
           </p:cNvPr>
@@ -7731,6 +7776,13 @@
   <p:clrMapOvr>
     <a:masterClrMapping/>
   </p:clrMapOvr>
+  <p:timing>
+    <p:tnLst>
+      <p:par>
+        <p:cTn id="1" dur="indefinite" restart="never" nodeType="tmRoot"/>
+      </p:par>
+    </p:tnLst>
+  </p:timing>
 </p:sld>
 </file>
 
@@ -7776,7 +7828,7 @@
           <p:cNvPr id="2" name="Title 1">
             <a:extLst>
               <a:ext uri="{FF2B5EF4-FFF2-40B4-BE49-F238E27FC236}">
-                <a16:creationId xmlns:a16="http://schemas.microsoft.com/office/drawing/2014/main" xmlns="" id="{B569CD3E-5E33-4EB5-A2CE-C636605E633F}"/>
+                <a16:creationId xmlns="" xmlns:a16="http://schemas.microsoft.com/office/drawing/2014/main" id="{B569CD3E-5E33-4EB5-A2CE-C636605E633F}"/>
               </a:ext>
             </a:extLst>
           </p:cNvPr>
@@ -7818,7 +7870,7 @@
           <p:cNvPr id="3" name="Content Placeholder 2">
             <a:extLst>
               <a:ext uri="{FF2B5EF4-FFF2-40B4-BE49-F238E27FC236}">
-                <a16:creationId xmlns:a16="http://schemas.microsoft.com/office/drawing/2014/main" xmlns="" id="{C3C0199F-A274-44C6-BF37-784A855E6EEA}"/>
+                <a16:creationId xmlns="" xmlns:a16="http://schemas.microsoft.com/office/drawing/2014/main" id="{C3C0199F-A274-44C6-BF37-784A855E6EEA}"/>
               </a:ext>
             </a:extLst>
           </p:cNvPr>
@@ -8467,7 +8519,7 @@
           <p:cNvPr id="4" name="Graphic 3" descr="Lightbulb">
             <a:extLst>
               <a:ext uri="{FF2B5EF4-FFF2-40B4-BE49-F238E27FC236}">
-                <a16:creationId xmlns:a16="http://schemas.microsoft.com/office/drawing/2014/main" xmlns="" id="{5E124F8C-3984-4EEC-9BA8-3B255731F2B0}"/>
+                <a16:creationId xmlns="" xmlns:a16="http://schemas.microsoft.com/office/drawing/2014/main" id="{5E124F8C-3984-4EEC-9BA8-3B255731F2B0}"/>
               </a:ext>
             </a:extLst>
           </p:cNvPr>
@@ -8480,7 +8532,7 @@
           <a:blip r:embed="rId4">
             <a:extLst>
               <a:ext uri="{96DAC541-7B7A-43D3-8B79-37D633B846F1}">
-                <asvg:svgBlip xmlns:asvg="http://schemas.microsoft.com/office/drawing/2016/SVG/main" xmlns="" r:embed="rId5"/>
+                <asvg:svgBlip xmlns="" xmlns:asvg="http://schemas.microsoft.com/office/drawing/2016/SVG/main" r:embed="rId5"/>
               </a:ext>
             </a:extLst>
           </a:blip>
@@ -8598,6 +8650,13 @@
   <p:clrMapOvr>
     <a:masterClrMapping/>
   </p:clrMapOvr>
+  <p:timing>
+    <p:tnLst>
+      <p:par>
+        <p:cTn id="1" dur="indefinite" restart="never" nodeType="tmRoot"/>
+      </p:par>
+    </p:tnLst>
+  </p:timing>
 </p:sld>
 </file>
 
@@ -8623,7 +8682,7 @@
           <p:cNvPr id="2" name="Title 1">
             <a:extLst>
               <a:ext uri="{FF2B5EF4-FFF2-40B4-BE49-F238E27FC236}">
-                <a16:creationId xmlns:a16="http://schemas.microsoft.com/office/drawing/2014/main" xmlns="" id="{B569CD3E-5E33-4EB5-A2CE-C636605E633F}"/>
+                <a16:creationId xmlns="" xmlns:a16="http://schemas.microsoft.com/office/drawing/2014/main" id="{B569CD3E-5E33-4EB5-A2CE-C636605E633F}"/>
               </a:ext>
             </a:extLst>
           </p:cNvPr>
@@ -8665,7 +8724,7 @@
           <p:cNvPr id="3" name="Content Placeholder 2">
             <a:extLst>
               <a:ext uri="{FF2B5EF4-FFF2-40B4-BE49-F238E27FC236}">
-                <a16:creationId xmlns:a16="http://schemas.microsoft.com/office/drawing/2014/main" xmlns="" id="{C3C0199F-A274-44C6-BF37-784A855E6EEA}"/>
+                <a16:creationId xmlns="" xmlns:a16="http://schemas.microsoft.com/office/drawing/2014/main" id="{C3C0199F-A274-44C6-BF37-784A855E6EEA}"/>
               </a:ext>
             </a:extLst>
           </p:cNvPr>
@@ -8699,7 +8758,7 @@
             </a:r>
             <a:r>
               <a:rPr lang="en-US" dirty="0" err="1" smtClean="0"/>
-              <a:t>mengunakan</a:t>
+              <a:t>menggunakan</a:t>
             </a:r>
             <a:r>
               <a:rPr lang="en-US" dirty="0" smtClean="0"/>
@@ -8766,11 +8825,7 @@
             </a:r>
             <a:r>
               <a:rPr lang="en-US" dirty="0" err="1" smtClean="0"/>
-              <a:t>sa</a:t>
-            </a:r>
-            <a:r>
-              <a:rPr lang="en-US" dirty="0" err="1" smtClean="0"/>
-              <a:t>lah</a:t>
+              <a:t>salah</a:t>
             </a:r>
             <a:r>
               <a:rPr lang="en-US" dirty="0" smtClean="0"/>
@@ -8802,11 +8857,7 @@
             </a:r>
             <a:r>
               <a:rPr lang="en-US" dirty="0" smtClean="0"/>
-              <a:t> android studio</a:t>
-            </a:r>
-            <a:r>
-              <a:rPr lang="en-US" dirty="0" smtClean="0"/>
-              <a:t>)</a:t>
+              <a:t> android studio)</a:t>
             </a:r>
           </a:p>
           <a:p>
@@ -8916,7 +8967,19 @@
             </a:r>
             <a:r>
               <a:rPr lang="en-US" dirty="0" smtClean="0"/>
-              <a:t> 2.0 </a:t>
+              <a:t> </a:t>
+            </a:r>
+            <a:r>
+              <a:rPr lang="en-US" dirty="0" smtClean="0"/>
+              <a:t>2.0 &amp; </a:t>
+            </a:r>
+            <a:r>
+              <a:rPr lang="en-US" dirty="0" err="1" smtClean="0"/>
+              <a:t>versi</a:t>
+            </a:r>
+            <a:r>
+              <a:rPr lang="en-US" dirty="0" smtClean="0"/>
+              <a:t> 4.0 </a:t>
             </a:r>
             <a:r>
               <a:rPr lang="en-US" dirty="0" err="1" smtClean="0"/>
@@ -8943,7 +9006,7 @@
           <p:cNvPr id="6" name="Graphic 5" descr="Tools">
             <a:extLst>
               <a:ext uri="{FF2B5EF4-FFF2-40B4-BE49-F238E27FC236}">
-                <a16:creationId xmlns:a16="http://schemas.microsoft.com/office/drawing/2014/main" xmlns="" id="{A0524D64-7C99-4DD6-A26E-C33BE01EC436}"/>
+                <a16:creationId xmlns="" xmlns:a16="http://schemas.microsoft.com/office/drawing/2014/main" id="{A0524D64-7C99-4DD6-A26E-C33BE01EC436}"/>
               </a:ext>
             </a:extLst>
           </p:cNvPr>
@@ -8956,7 +9019,7 @@
           <a:blip r:embed="rId2">
             <a:extLst>
               <a:ext uri="{96DAC541-7B7A-43D3-8B79-37D633B846F1}">
-                <asvg:svgBlip xmlns:asvg="http://schemas.microsoft.com/office/drawing/2016/SVG/main" xmlns="" r:embed="rId3"/>
+                <asvg:svgBlip xmlns="" xmlns:asvg="http://schemas.microsoft.com/office/drawing/2016/SVG/main" r:embed="rId3"/>
               </a:ext>
             </a:extLst>
           </a:blip>
@@ -8984,6 +9047,13 @@
   <p:clrMapOvr>
     <a:masterClrMapping/>
   </p:clrMapOvr>
+  <p:timing>
+    <p:tnLst>
+      <p:par>
+        <p:cTn id="1" dur="indefinite" restart="never" nodeType="tmRoot"/>
+      </p:par>
+    </p:tnLst>
+  </p:timing>
 </p:sld>
 </file>
 
@@ -9009,7 +9079,7 @@
           <p:cNvPr id="2" name="Title 1">
             <a:extLst>
               <a:ext uri="{FF2B5EF4-FFF2-40B4-BE49-F238E27FC236}">
-                <a16:creationId xmlns:a16="http://schemas.microsoft.com/office/drawing/2014/main" xmlns="" id="{B569CD3E-5E33-4EB5-A2CE-C636605E633F}"/>
+                <a16:creationId xmlns="" xmlns:a16="http://schemas.microsoft.com/office/drawing/2014/main" id="{B569CD3E-5E33-4EB5-A2CE-C636605E633F}"/>
               </a:ext>
             </a:extLst>
           </p:cNvPr>
@@ -9047,7 +9117,7 @@
           <p:cNvPr id="3" name="Content Placeholder 2">
             <a:extLst>
               <a:ext uri="{FF2B5EF4-FFF2-40B4-BE49-F238E27FC236}">
-                <a16:creationId xmlns:a16="http://schemas.microsoft.com/office/drawing/2014/main" xmlns="" id="{C3C0199F-A274-44C6-BF37-784A855E6EEA}"/>
+                <a16:creationId xmlns="" xmlns:a16="http://schemas.microsoft.com/office/drawing/2014/main" id="{C3C0199F-A274-44C6-BF37-784A855E6EEA}"/>
               </a:ext>
             </a:extLst>
           </p:cNvPr>
@@ -9349,7 +9419,7 @@
           <p:cNvPr id="5" name="Graphic 4" descr="Man and Woman">
             <a:extLst>
               <a:ext uri="{FF2B5EF4-FFF2-40B4-BE49-F238E27FC236}">
-                <a16:creationId xmlns:a16="http://schemas.microsoft.com/office/drawing/2014/main" xmlns="" id="{2DED0F48-76A7-437D-9746-E2DF97A1CB06}"/>
+                <a16:creationId xmlns="" xmlns:a16="http://schemas.microsoft.com/office/drawing/2014/main" id="{2DED0F48-76A7-437D-9746-E2DF97A1CB06}"/>
               </a:ext>
             </a:extLst>
           </p:cNvPr>
@@ -9362,7 +9432,7 @@
           <a:blip r:embed="rId2">
             <a:extLst>
               <a:ext uri="{96DAC541-7B7A-43D3-8B79-37D633B846F1}">
-                <asvg:svgBlip xmlns:asvg="http://schemas.microsoft.com/office/drawing/2016/SVG/main" xmlns="" r:embed="rId3"/>
+                <asvg:svgBlip xmlns="" xmlns:asvg="http://schemas.microsoft.com/office/drawing/2016/SVG/main" r:embed="rId3"/>
               </a:ext>
             </a:extLst>
           </a:blip>
@@ -9390,6 +9460,13 @@
   <p:clrMapOvr>
     <a:masterClrMapping/>
   </p:clrMapOvr>
+  <p:timing>
+    <p:tnLst>
+      <p:par>
+        <p:cTn id="1" dur="indefinite" restart="never" nodeType="tmRoot"/>
+      </p:par>
+    </p:tnLst>
+  </p:timing>
 </p:sld>
 </file>
 
@@ -9415,7 +9492,7 @@
           <p:cNvPr id="2" name="Title 1">
             <a:extLst>
               <a:ext uri="{FF2B5EF4-FFF2-40B4-BE49-F238E27FC236}">
-                <a16:creationId xmlns:a16="http://schemas.microsoft.com/office/drawing/2014/main" xmlns="" id="{5A29E978-9605-417C-951F-53F4926CFF1A}"/>
+                <a16:creationId xmlns="" xmlns:a16="http://schemas.microsoft.com/office/drawing/2014/main" id="{5A29E978-9605-417C-951F-53F4926CFF1A}"/>
               </a:ext>
             </a:extLst>
           </p:cNvPr>
@@ -9453,7 +9530,7 @@
           <p:cNvPr id="4" name="Text Placeholder 3">
             <a:extLst>
               <a:ext uri="{FF2B5EF4-FFF2-40B4-BE49-F238E27FC236}">
-                <a16:creationId xmlns:a16="http://schemas.microsoft.com/office/drawing/2014/main" xmlns="" id="{4986B87E-83DC-455A-94FE-389658903147}"/>
+                <a16:creationId xmlns="" xmlns:a16="http://schemas.microsoft.com/office/drawing/2014/main" id="{4986B87E-83DC-455A-94FE-389658903147}"/>
               </a:ext>
             </a:extLst>
           </p:cNvPr>
@@ -9718,7 +9795,7 @@
           <p:cNvPr id="5" name="Content Placeholder 4">
             <a:extLst>
               <a:ext uri="{FF2B5EF4-FFF2-40B4-BE49-F238E27FC236}">
-                <a16:creationId xmlns:a16="http://schemas.microsoft.com/office/drawing/2014/main" xmlns="" id="{C024C14A-E496-4FF0-8939-7E31F6B95C48}"/>
+                <a16:creationId xmlns="" xmlns:a16="http://schemas.microsoft.com/office/drawing/2014/main" id="{C024C14A-E496-4FF0-8939-7E31F6B95C48}"/>
               </a:ext>
             </a:extLst>
           </p:cNvPr>
@@ -9957,7 +10034,7 @@
           <p:cNvPr id="7" name="Graphic 6" descr="Gears">
             <a:extLst>
               <a:ext uri="{FF2B5EF4-FFF2-40B4-BE49-F238E27FC236}">
-                <a16:creationId xmlns:a16="http://schemas.microsoft.com/office/drawing/2014/main" xmlns="" id="{DA9595F8-50AF-4C85-9BC5-B52646E113FB}"/>
+                <a16:creationId xmlns="" xmlns:a16="http://schemas.microsoft.com/office/drawing/2014/main" id="{DA9595F8-50AF-4C85-9BC5-B52646E113FB}"/>
               </a:ext>
             </a:extLst>
           </p:cNvPr>
@@ -9970,7 +10047,7 @@
           <a:blip r:embed="rId2">
             <a:extLst>
               <a:ext uri="{96DAC541-7B7A-43D3-8B79-37D633B846F1}">
-                <asvg:svgBlip xmlns:asvg="http://schemas.microsoft.com/office/drawing/2016/SVG/main" xmlns="" r:embed="rId4"/>
+                <asvg:svgBlip xmlns="" xmlns:asvg="http://schemas.microsoft.com/office/drawing/2016/SVG/main" r:embed="rId4"/>
               </a:ext>
             </a:extLst>
           </a:blip>
@@ -10059,7 +10136,7 @@
           <p:cNvPr id="2" name="Title 1">
             <a:extLst>
               <a:ext uri="{FF2B5EF4-FFF2-40B4-BE49-F238E27FC236}">
-                <a16:creationId xmlns:a16="http://schemas.microsoft.com/office/drawing/2014/main" xmlns="" id="{5A29E978-9605-417C-951F-53F4926CFF1A}"/>
+                <a16:creationId xmlns="" xmlns:a16="http://schemas.microsoft.com/office/drawing/2014/main" id="{5A29E978-9605-417C-951F-53F4926CFF1A}"/>
               </a:ext>
             </a:extLst>
           </p:cNvPr>
@@ -10097,7 +10174,7 @@
           <p:cNvPr id="7" name="Graphic 6" descr="Gears">
             <a:extLst>
               <a:ext uri="{FF2B5EF4-FFF2-40B4-BE49-F238E27FC236}">
-                <a16:creationId xmlns:a16="http://schemas.microsoft.com/office/drawing/2014/main" xmlns="" id="{DA9595F8-50AF-4C85-9BC5-B52646E113FB}"/>
+                <a16:creationId xmlns="" xmlns:a16="http://schemas.microsoft.com/office/drawing/2014/main" id="{DA9595F8-50AF-4C85-9BC5-B52646E113FB}"/>
               </a:ext>
             </a:extLst>
           </p:cNvPr>
@@ -10110,7 +10187,7 @@
           <a:blip r:embed="rId2">
             <a:extLst>
               <a:ext uri="{96DAC541-7B7A-43D3-8B79-37D633B846F1}">
-                <asvg:svgBlip xmlns:asvg="http://schemas.microsoft.com/office/drawing/2016/SVG/main" xmlns="" r:embed="rId4"/>
+                <asvg:svgBlip xmlns="" xmlns:asvg="http://schemas.microsoft.com/office/drawing/2016/SVG/main" r:embed="rId4"/>
               </a:ext>
             </a:extLst>
           </a:blip>
@@ -10157,7 +10234,7 @@
           <p:cNvPr id="11" name="Content Placeholder 4">
             <a:extLst>
               <a:ext uri="{FF2B5EF4-FFF2-40B4-BE49-F238E27FC236}">
-                <a16:creationId xmlns:a16="http://schemas.microsoft.com/office/drawing/2014/main" xmlns="" id="{C024C14A-E496-4FF0-8939-7E31F6B95C48}"/>
+                <a16:creationId xmlns="" xmlns:a16="http://schemas.microsoft.com/office/drawing/2014/main" id="{C024C14A-E496-4FF0-8939-7E31F6B95C48}"/>
               </a:ext>
             </a:extLst>
           </p:cNvPr>
@@ -10489,7 +10566,7 @@
           <p:cNvPr id="2" name="Title 1">
             <a:extLst>
               <a:ext uri="{FF2B5EF4-FFF2-40B4-BE49-F238E27FC236}">
-                <a16:creationId xmlns:a16="http://schemas.microsoft.com/office/drawing/2014/main" xmlns="" id="{5A29E978-9605-417C-951F-53F4926CFF1A}"/>
+                <a16:creationId xmlns="" xmlns:a16="http://schemas.microsoft.com/office/drawing/2014/main" id="{5A29E978-9605-417C-951F-53F4926CFF1A}"/>
               </a:ext>
             </a:extLst>
           </p:cNvPr>
@@ -10526,7 +10603,7 @@
           <p:cNvPr id="7" name="Graphic 6" descr="Gears">
             <a:extLst>
               <a:ext uri="{FF2B5EF4-FFF2-40B4-BE49-F238E27FC236}">
-                <a16:creationId xmlns:a16="http://schemas.microsoft.com/office/drawing/2014/main" xmlns="" id="{DA9595F8-50AF-4C85-9BC5-B52646E113FB}"/>
+                <a16:creationId xmlns="" xmlns:a16="http://schemas.microsoft.com/office/drawing/2014/main" id="{DA9595F8-50AF-4C85-9BC5-B52646E113FB}"/>
               </a:ext>
             </a:extLst>
           </p:cNvPr>
@@ -10539,7 +10616,7 @@
           <a:blip r:embed="rId2">
             <a:extLst>
               <a:ext uri="{96DAC541-7B7A-43D3-8B79-37D633B846F1}">
-                <asvg:svgBlip xmlns:asvg="http://schemas.microsoft.com/office/drawing/2016/SVG/main" xmlns="" r:embed="rId4"/>
+                <asvg:svgBlip xmlns="" xmlns:asvg="http://schemas.microsoft.com/office/drawing/2016/SVG/main" r:embed="rId4"/>
               </a:ext>
             </a:extLst>
           </a:blip>
@@ -10562,7 +10639,7 @@
           <p:cNvPr id="9" name="Content Placeholder 2">
             <a:extLst>
               <a:ext uri="{FF2B5EF4-FFF2-40B4-BE49-F238E27FC236}">
-                <a16:creationId xmlns:a16="http://schemas.microsoft.com/office/drawing/2014/main" xmlns="" id="{C3C0199F-A274-44C6-BF37-784A855E6EEA}"/>
+                <a16:creationId xmlns="" xmlns:a16="http://schemas.microsoft.com/office/drawing/2014/main" id="{C3C0199F-A274-44C6-BF37-784A855E6EEA}"/>
               </a:ext>
             </a:extLst>
           </p:cNvPr>
@@ -11267,7 +11344,7 @@
           <p:cNvPr id="2" name="Title 1">
             <a:extLst>
               <a:ext uri="{FF2B5EF4-FFF2-40B4-BE49-F238E27FC236}">
-                <a16:creationId xmlns:a16="http://schemas.microsoft.com/office/drawing/2014/main" xmlns="" id="{4DFF222A-0050-42E6-8C3E-86E3C365C411}"/>
+                <a16:creationId xmlns="" xmlns:a16="http://schemas.microsoft.com/office/drawing/2014/main" id="{4DFF222A-0050-42E6-8C3E-86E3C365C411}"/>
               </a:ext>
             </a:extLst>
           </p:cNvPr>
@@ -11366,7 +11443,7 @@
           <p:cNvPr id="2" name="Title 1">
             <a:extLst>
               <a:ext uri="{FF2B5EF4-FFF2-40B4-BE49-F238E27FC236}">
-                <a16:creationId xmlns:a16="http://schemas.microsoft.com/office/drawing/2014/main" xmlns="" id="{4DFF222A-0050-42E6-8C3E-86E3C365C411}"/>
+                <a16:creationId xmlns="" xmlns:a16="http://schemas.microsoft.com/office/drawing/2014/main" id="{4DFF222A-0050-42E6-8C3E-86E3C365C411}"/>
               </a:ext>
             </a:extLst>
           </p:cNvPr>
@@ -11698,15 +11775,6 @@
 </file>
 
 <file path=customXml/item2.xml><?xml version="1.0" encoding="utf-8"?>
-<?mso-contentType ?>
-<FormTemplates xmlns="http://schemas.microsoft.com/sharepoint/v3/contenttype/forms">
-  <Display>DocumentLibraryForm</Display>
-  <Edit>DocumentLibraryForm</Edit>
-  <New>DocumentLibraryForm</New>
-</FormTemplates>
-</file>
-
-<file path=customXml/item3.xml><?xml version="1.0" encoding="utf-8"?>
 <ct:contentTypeSchema xmlns:ct="http://schemas.microsoft.com/office/2006/metadata/contentType" xmlns:ma="http://schemas.microsoft.com/office/2006/metadata/properties/metaAttributes" ct:_="" ma:_="" ma:contentTypeName="Document" ma:contentTypeID="0x010100DEEA25CC0A0AC24199CDC46C25B8B0BC" ma:contentTypeVersion="10" ma:contentTypeDescription="Create a new document." ma:contentTypeScope="" ma:versionID="e3b47856d4cf355c0dacb39e1084d14f">
   <xsd:schema xmlns:xsd="http://www.w3.org/2001/XMLSchema" xmlns:xs="http://www.w3.org/2001/XMLSchema" xmlns:p="http://schemas.microsoft.com/office/2006/metadata/properties" xmlns:ns1="http://schemas.microsoft.com/sharepoint/v3" xmlns:ns2="6dc4bcd6-49db-4c07-9060-8acfc67cef9f" xmlns:ns3="fb0879af-3eba-417a-a55a-ffe6dcd6ca77" targetNamespace="http://schemas.microsoft.com/office/2006/metadata/properties" ma:root="true" ma:fieldsID="a845a615265fdb1f7b12cc65ac20ecbd" ns1:_="" ns2:_="" ns3:_="">
     <xsd:import namespace="http://schemas.microsoft.com/sharepoint/v3"/>
@@ -11914,6 +11982,15 @@
 </ct:contentTypeSchema>
 </file>
 
+<file path=customXml/item3.xml><?xml version="1.0" encoding="utf-8"?>
+<?mso-contentType ?>
+<FormTemplates xmlns="http://schemas.microsoft.com/sharepoint/v3/contenttype/forms">
+  <Display>DocumentLibraryForm</Display>
+  <Edit>DocumentLibraryForm</Edit>
+  <New>DocumentLibraryForm</New>
+</FormTemplates>
+</file>
+
 <file path=customXml/itemProps1.xml><?xml version="1.0" encoding="utf-8"?>
 <ds:datastoreItem xmlns:ds="http://schemas.openxmlformats.org/officeDocument/2006/customXml" ds:itemID="{816B76F2-1AE1-4A2A-A5B3-D462CC5E81F8}">
   <ds:schemaRefs>
@@ -11933,14 +12010,6 @@
 </file>
 
 <file path=customXml/itemProps2.xml><?xml version="1.0" encoding="utf-8"?>
-<ds:datastoreItem xmlns:ds="http://schemas.openxmlformats.org/officeDocument/2006/customXml" ds:itemID="{30ECC70E-6674-4337-B48B-AF4F8832F1E5}">
-  <ds:schemaRefs>
-    <ds:schemaRef ds:uri="http://schemas.microsoft.com/sharepoint/v3/contenttype/forms"/>
-  </ds:schemaRefs>
-</ds:datastoreItem>
-</file>
-
-<file path=customXml/itemProps3.xml><?xml version="1.0" encoding="utf-8"?>
 <ds:datastoreItem xmlns:ds="http://schemas.openxmlformats.org/officeDocument/2006/customXml" ds:itemID="{D2BAE40F-4B14-4E0B-9265-745AD5E2D42F}">
   <ds:schemaRefs>
     <ds:schemaRef ds:uri="http://schemas.microsoft.com/office/2006/metadata/contentType"/>
@@ -11958,4 +12027,12 @@
     <ds:schemaRef ds:uri="http://schemas.microsoft.com/internal/obd"/>
   </ds:schemaRefs>
 </ds:datastoreItem>
+</file>
+
+<file path=customXml/itemProps3.xml><?xml version="1.0" encoding="utf-8"?>
+<ds:datastoreItem xmlns:ds="http://schemas.openxmlformats.org/officeDocument/2006/customXml" ds:itemID="{30ECC70E-6674-4337-B48B-AF4F8832F1E5}">
+  <ds:schemaRefs>
+    <ds:schemaRef ds:uri="http://schemas.microsoft.com/sharepoint/v3/contenttype/forms"/>
+  </ds:schemaRefs>
+</ds:datastoreItem>
 </file>